--- a/exposicio_dijous/BrainScan_19.pptx
+++ b/exposicio_dijous/BrainScan_19.pptx
@@ -36296,6 +36296,31 @@
           <a:p>
             <a:pPr lvl="1"/>
             <a:r>
+              <a:rPr lang="en-US" dirty="0"/>
+              <a:t>Is a simple format for storing a sequence of binary records.</a:t>
+            </a:r>
+          </a:p>
+          <a:p>
+            <a:pPr lvl="1"/>
+            <a:r>
+              <a:rPr lang="en-US" dirty="0"/>
+              <a:t>You need specify the structure of your data before you write it to the file</a:t>
+            </a:r>
+          </a:p>
+          <a:p>
+            <a:pPr lvl="1"/>
+            <a:r>
+              <a:rPr lang="es-ES" dirty="0" err="1"/>
+              <a:t>Advantages</a:t>
+            </a:r>
+            <a:r>
+              <a:rPr lang="es-ES" dirty="0"/>
+              <a:t>:</a:t>
+            </a:r>
+          </a:p>
+          <a:p>
+            <a:pPr lvl="2"/>
+            <a:r>
               <a:rPr lang="es-ES" dirty="0"/>
               <a:t>1 file per </a:t>
             </a:r>
@@ -36306,31 +36331,6 @@
             <a:r>
               <a:rPr lang="es-ES" dirty="0"/>
               <a:t>. Total 484 + 266 = 750 files</a:t>
-            </a:r>
-          </a:p>
-          <a:p>
-            <a:pPr lvl="1"/>
-            <a:r>
-              <a:rPr lang="en-US" dirty="0"/>
-              <a:t>Is a simple format for storing a sequence of binary records.</a:t>
-            </a:r>
-          </a:p>
-          <a:p>
-            <a:pPr lvl="1"/>
-            <a:r>
-              <a:rPr lang="en-US" dirty="0"/>
-              <a:t>You need specify the structure of your data before you write it to the file</a:t>
-            </a:r>
-          </a:p>
-          <a:p>
-            <a:pPr lvl="1"/>
-            <a:r>
-              <a:rPr lang="es-ES" dirty="0" err="1"/>
-              <a:t>Advantages</a:t>
-            </a:r>
-            <a:r>
-              <a:rPr lang="es-ES" dirty="0"/>
-              <a:t>:</a:t>
             </a:r>
           </a:p>
           <a:p>
